--- a/src/main/resources/lesson12/Multithreading.pptx
+++ b/src/main/resources/lesson12/Multithreading.pptx
@@ -16,7 +16,6 @@
     <p:sldId id="280" r:id="rId10"/>
     <p:sldId id="281" r:id="rId11"/>
     <p:sldId id="282" r:id="rId12"/>
-    <p:sldId id="283" r:id="rId13"/>
   </p:sldIdLst>
   <p:sldSz cx="9144000" cy="6858000" type="screen4x3"/>
   <p:notesSz cx="6858000" cy="9144000"/>
@@ -307,7 +306,7 @@
           <a:p>
             <a:fld id="{B4C71EC6-210F-42DE-9C53-41977AD35B3D}" type="datetimeFigureOut">
               <a:rPr lang="ru-RU" smtClean="0"/>
-              <a:t>13.01.2023</a:t>
+              <a:t>16.01.2023</a:t>
             </a:fld>
             <a:endParaRPr lang="ru-RU"/>
           </a:p>
@@ -472,7 +471,7 @@
           <a:p>
             <a:fld id="{B4C71EC6-210F-42DE-9C53-41977AD35B3D}" type="datetimeFigureOut">
               <a:rPr lang="ru-RU" smtClean="0"/>
-              <a:t>13.01.2023</a:t>
+              <a:t>16.01.2023</a:t>
             </a:fld>
             <a:endParaRPr lang="ru-RU"/>
           </a:p>
@@ -647,7 +646,7 @@
           <a:p>
             <a:fld id="{B4C71EC6-210F-42DE-9C53-41977AD35B3D}" type="datetimeFigureOut">
               <a:rPr lang="ru-RU" smtClean="0"/>
-              <a:t>13.01.2023</a:t>
+              <a:t>16.01.2023</a:t>
             </a:fld>
             <a:endParaRPr lang="ru-RU"/>
           </a:p>
@@ -812,7 +811,7 @@
           <a:p>
             <a:fld id="{B4C71EC6-210F-42DE-9C53-41977AD35B3D}" type="datetimeFigureOut">
               <a:rPr lang="ru-RU" smtClean="0"/>
-              <a:t>13.01.2023</a:t>
+              <a:t>16.01.2023</a:t>
             </a:fld>
             <a:endParaRPr lang="ru-RU"/>
           </a:p>
@@ -1054,7 +1053,7 @@
           <a:p>
             <a:fld id="{B4C71EC6-210F-42DE-9C53-41977AD35B3D}" type="datetimeFigureOut">
               <a:rPr lang="ru-RU" smtClean="0"/>
-              <a:t>13.01.2023</a:t>
+              <a:t>16.01.2023</a:t>
             </a:fld>
             <a:endParaRPr lang="ru-RU"/>
           </a:p>
@@ -1318,7 +1317,7 @@
           <a:p>
             <a:fld id="{B4C71EC6-210F-42DE-9C53-41977AD35B3D}" type="datetimeFigureOut">
               <a:rPr lang="ru-RU" smtClean="0"/>
-              <a:t>13.01.2023</a:t>
+              <a:t>16.01.2023</a:t>
             </a:fld>
             <a:endParaRPr lang="ru-RU"/>
           </a:p>
@@ -1696,7 +1695,7 @@
           <a:p>
             <a:fld id="{B4C71EC6-210F-42DE-9C53-41977AD35B3D}" type="datetimeFigureOut">
               <a:rPr lang="ru-RU" smtClean="0"/>
-              <a:t>13.01.2023</a:t>
+              <a:t>16.01.2023</a:t>
             </a:fld>
             <a:endParaRPr lang="ru-RU"/>
           </a:p>
@@ -1846,7 +1845,7 @@
           <a:p>
             <a:fld id="{B4C71EC6-210F-42DE-9C53-41977AD35B3D}" type="datetimeFigureOut">
               <a:rPr lang="ru-RU" smtClean="0"/>
-              <a:t>13.01.2023</a:t>
+              <a:t>16.01.2023</a:t>
             </a:fld>
             <a:endParaRPr lang="ru-RU"/>
           </a:p>
@@ -1936,7 +1935,7 @@
           <a:p>
             <a:fld id="{B4C71EC6-210F-42DE-9C53-41977AD35B3D}" type="datetimeFigureOut">
               <a:rPr lang="ru-RU" smtClean="0"/>
-              <a:t>13.01.2023</a:t>
+              <a:t>16.01.2023</a:t>
             </a:fld>
             <a:endParaRPr lang="ru-RU"/>
           </a:p>
@@ -2197,7 +2196,7 @@
           <a:p>
             <a:fld id="{B4C71EC6-210F-42DE-9C53-41977AD35B3D}" type="datetimeFigureOut">
               <a:rPr lang="ru-RU" smtClean="0"/>
-              <a:t>13.01.2023</a:t>
+              <a:t>16.01.2023</a:t>
             </a:fld>
             <a:endParaRPr lang="ru-RU"/>
           </a:p>
@@ -2485,7 +2484,7 @@
           <a:p>
             <a:fld id="{B4C71EC6-210F-42DE-9C53-41977AD35B3D}" type="datetimeFigureOut">
               <a:rPr lang="ru-RU" smtClean="0"/>
-              <a:t>13.01.2023</a:t>
+              <a:t>16.01.2023</a:t>
             </a:fld>
             <a:endParaRPr lang="ru-RU"/>
           </a:p>
@@ -3256,7 +3255,7 @@
           <a:p>
             <a:fld id="{B4C71EC6-210F-42DE-9C53-41977AD35B3D}" type="datetimeFigureOut">
               <a:rPr lang="ru-RU" smtClean="0"/>
-              <a:t>13.01.2023</a:t>
+              <a:t>16.01.2023</a:t>
             </a:fld>
             <a:endParaRPr lang="ru-RU"/>
           </a:p>
@@ -4179,165 +4178,6 @@
 </p:sld>
 </file>
 
-<file path=ppt/slides/slide12.xml><?xml version="1.0" encoding="utf-8"?>
-<p:sld xmlns:a="http://schemas.openxmlformats.org/drawingml/2006/main" xmlns:r="http://schemas.openxmlformats.org/officeDocument/2006/relationships" xmlns:p="http://schemas.openxmlformats.org/presentationml/2006/main">
-  <p:cSld>
-    <p:spTree>
-      <p:nvGrpSpPr>
-        <p:cNvPr id="1" name=""/>
-        <p:cNvGrpSpPr/>
-        <p:nvPr/>
-      </p:nvGrpSpPr>
-      <p:grpSpPr>
-        <a:xfrm>
-          <a:off x="0" y="0"/>
-          <a:ext cx="0" cy="0"/>
-          <a:chOff x="0" y="0"/>
-          <a:chExt cx="0" cy="0"/>
-        </a:xfrm>
-      </p:grpSpPr>
-      <p:sp>
-        <p:nvSpPr>
-          <p:cNvPr id="2" name="Title 1">
-            <a:extLst>
-              <a:ext uri="{FF2B5EF4-FFF2-40B4-BE49-F238E27FC236}">
-                <a16:creationId xmlns:a16="http://schemas.microsoft.com/office/drawing/2014/main" id="{13FA08C1-73B6-4F7A-B587-9970420A2F33}"/>
-              </a:ext>
-            </a:extLst>
-          </p:cNvPr>
-          <p:cNvSpPr>
-            <a:spLocks noGrp="1"/>
-          </p:cNvSpPr>
-          <p:nvPr>
-            <p:ph type="title"/>
-          </p:nvPr>
-        </p:nvSpPr>
-        <p:spPr>
-          <a:xfrm>
-            <a:off x="457200" y="704088"/>
-            <a:ext cx="8229600" cy="780696"/>
-          </a:xfrm>
-        </p:spPr>
-        <p:txBody>
-          <a:bodyPr>
-            <a:normAutofit fontScale="90000"/>
-          </a:bodyPr>
-          <a:lstStyle/>
-          <a:p>
-            <a:r>
-              <a:rPr lang="en-GB" dirty="0"/>
-              <a:t>Volatile</a:t>
-            </a:r>
-          </a:p>
-        </p:txBody>
-      </p:sp>
-      <p:pic>
-        <p:nvPicPr>
-          <p:cNvPr id="7170" name="Picture 2" descr="Threads may hold copies of variables from main memory in CPU caches.">
-            <a:extLst>
-              <a:ext uri="{FF2B5EF4-FFF2-40B4-BE49-F238E27FC236}">
-                <a16:creationId xmlns:a16="http://schemas.microsoft.com/office/drawing/2014/main" id="{6E1A01E7-4E8A-4732-B355-8A8AAFFEEE50}"/>
-              </a:ext>
-            </a:extLst>
-          </p:cNvPr>
-          <p:cNvPicPr>
-            <a:picLocks noChangeAspect="1" noChangeArrowheads="1"/>
-          </p:cNvPicPr>
-          <p:nvPr/>
-        </p:nvPicPr>
-        <p:blipFill>
-          <a:blip r:embed="rId2">
-            <a:extLst>
-              <a:ext uri="{28A0092B-C50C-407E-A947-70E740481C1C}">
-                <a14:useLocalDpi xmlns:a14="http://schemas.microsoft.com/office/drawing/2010/main" val="0"/>
-              </a:ext>
-            </a:extLst>
-          </a:blip>
-          <a:srcRect/>
-          <a:stretch>
-            <a:fillRect/>
-          </a:stretch>
-        </p:blipFill>
-        <p:spPr bwMode="auto">
-          <a:xfrm>
-            <a:off x="-8722" y="1562269"/>
-            <a:ext cx="4680520" cy="3943945"/>
-          </a:xfrm>
-          <a:prstGeom prst="rect">
-            <a:avLst/>
-          </a:prstGeom>
-          <a:noFill/>
-          <a:extLst>
-            <a:ext uri="{909E8E84-426E-40DD-AFC4-6F175D3DCCD1}">
-              <a14:hiddenFill xmlns:a14="http://schemas.microsoft.com/office/drawing/2010/main">
-                <a:solidFill>
-                  <a:srgbClr val="FFFFFF"/>
-                </a:solidFill>
-              </a14:hiddenFill>
-            </a:ext>
-          </a:extLst>
-        </p:spPr>
-      </p:pic>
-      <p:pic>
-        <p:nvPicPr>
-          <p:cNvPr id="7172" name="Picture 4" descr="The CPU cache used by Thread 1 and main memory contains different values for the counter variable.">
-            <a:extLst>
-              <a:ext uri="{FF2B5EF4-FFF2-40B4-BE49-F238E27FC236}">
-                <a16:creationId xmlns:a16="http://schemas.microsoft.com/office/drawing/2014/main" id="{AE51FE15-5FD4-4F69-9AB5-1931AE4B3CE9}"/>
-              </a:ext>
-            </a:extLst>
-          </p:cNvPr>
-          <p:cNvPicPr>
-            <a:picLocks noChangeAspect="1" noChangeArrowheads="1"/>
-          </p:cNvPicPr>
-          <p:nvPr/>
-        </p:nvPicPr>
-        <p:blipFill>
-          <a:blip r:embed="rId3">
-            <a:extLst>
-              <a:ext uri="{28A0092B-C50C-407E-A947-70E740481C1C}">
-                <a14:useLocalDpi xmlns:a14="http://schemas.microsoft.com/office/drawing/2010/main" val="0"/>
-              </a:ext>
-            </a:extLst>
-          </a:blip>
-          <a:srcRect/>
-          <a:stretch>
-            <a:fillRect/>
-          </a:stretch>
-        </p:blipFill>
-        <p:spPr bwMode="auto">
-          <a:xfrm>
-            <a:off x="4573420" y="1603749"/>
-            <a:ext cx="4461582" cy="3860984"/>
-          </a:xfrm>
-          <a:prstGeom prst="rect">
-            <a:avLst/>
-          </a:prstGeom>
-          <a:noFill/>
-          <a:extLst>
-            <a:ext uri="{909E8E84-426E-40DD-AFC4-6F175D3DCCD1}">
-              <a14:hiddenFill xmlns:a14="http://schemas.microsoft.com/office/drawing/2010/main">
-                <a:solidFill>
-                  <a:srgbClr val="FFFFFF"/>
-                </a:solidFill>
-              </a14:hiddenFill>
-            </a:ext>
-          </a:extLst>
-        </p:spPr>
-      </p:pic>
-    </p:spTree>
-    <p:extLst>
-      <p:ext uri="{BB962C8B-B14F-4D97-AF65-F5344CB8AC3E}">
-        <p14:creationId xmlns:p14="http://schemas.microsoft.com/office/powerpoint/2010/main" val="4070574944"/>
-      </p:ext>
-    </p:extLst>
-  </p:cSld>
-  <p:clrMapOvr>
-    <a:masterClrMapping/>
-  </p:clrMapOvr>
-</p:sld>
-</file>
-
 <file path=ppt/slides/slide2.xml><?xml version="1.0" encoding="utf-8"?>
 <p:sld xmlns:a="http://schemas.openxmlformats.org/drawingml/2006/main" xmlns:r="http://schemas.openxmlformats.org/officeDocument/2006/relationships" xmlns:p="http://schemas.openxmlformats.org/presentationml/2006/main">
   <p:cSld>
